--- a/Fundamentos de Machine Learning/Clase 4/4. SVM y KNN.pptx
+++ b/Fundamentos de Machine Learning/Clase 4/4. SVM y KNN.pptx
@@ -24992,7 +24992,15 @@
             </a:pPr>
             <a:r>
               <a:rPr lang="en"/>
-              <a:t>Sean X(i) y X(j) dos instancias con N características y M dimensiones:</a:t>
+              <a:t>Sean X(i) y X(j) </a:t>
+            </a:r>
+            <a:r>
+              <a:rPr lang="en"/>
+              <a:t>dos instancias con </a:t>
+            </a:r>
+            <a:r>
+              <a:rPr lang="en"/>
+              <a:t>M dimensiones, para un parámetro p:</a:t>
             </a:r>
             <a:endParaRPr/>
           </a:p>
